--- a/PythonBootCamp/SlideShow/Section03-PythonObjectandDataStructureBasics/15-IntroductionToStrings.pptx
+++ b/PythonBootCamp/SlideShow/Section03-PythonObjectandDataStructureBasics/15-IntroductionToStrings.pptx
@@ -112,6 +112,11 @@
       </a:defRPr>
     </a:lvl9pPr>
   </p:defaultTextStyle>
+  <p:extLst>
+    <p:ext uri="{EFAFB233-063F-42B5-8137-9DF3F51BA10A}">
+      <p15:sldGuideLst xmlns:p15="http://schemas.microsoft.com/office/powerpoint/2012/main"/>
+    </p:ext>
+  </p:extLst>
 </p:presentation>
 </file>
 
@@ -197,7 +202,7 @@
           <a:p>
             <a:fld id="{4989D9B0-CEC1-FC41-88BC-A178AEDE6C93}" type="datetimeFigureOut">
               <a:rPr lang="en-US" smtClean="0"/>
-              <a:t>7/18/24</a:t>
+              <a:t>7/23/24</a:t>
             </a:fld>
             <a:endParaRPr lang="en-US"/>
           </a:p>
@@ -1245,7 +1250,7 @@
           <a:p>
             <a:fld id="{0952215C-927E-2D49-B2EF-8E68B8982B4D}" type="datetimeFigureOut">
               <a:rPr lang="en-US" smtClean="0"/>
-              <a:t>7/18/24</a:t>
+              <a:t>7/23/24</a:t>
             </a:fld>
             <a:endParaRPr lang="en-US"/>
           </a:p>
@@ -1443,7 +1448,7 @@
           <a:p>
             <a:fld id="{0952215C-927E-2D49-B2EF-8E68B8982B4D}" type="datetimeFigureOut">
               <a:rPr lang="en-US" smtClean="0"/>
-              <a:t>7/18/24</a:t>
+              <a:t>7/23/24</a:t>
             </a:fld>
             <a:endParaRPr lang="en-US"/>
           </a:p>
@@ -1651,7 +1656,7 @@
           <a:p>
             <a:fld id="{0952215C-927E-2D49-B2EF-8E68B8982B4D}" type="datetimeFigureOut">
               <a:rPr lang="en-US" smtClean="0"/>
-              <a:t>7/18/24</a:t>
+              <a:t>7/23/24</a:t>
             </a:fld>
             <a:endParaRPr lang="en-US"/>
           </a:p>
@@ -2208,7 +2213,7 @@
           <a:p>
             <a:fld id="{0952215C-927E-2D49-B2EF-8E68B8982B4D}" type="datetimeFigureOut">
               <a:rPr lang="en-US" smtClean="0"/>
-              <a:t>7/18/24</a:t>
+              <a:t>7/23/24</a:t>
             </a:fld>
             <a:endParaRPr lang="en-US"/>
           </a:p>
@@ -2483,7 +2488,7 @@
           <a:p>
             <a:fld id="{0952215C-927E-2D49-B2EF-8E68B8982B4D}" type="datetimeFigureOut">
               <a:rPr lang="en-US" smtClean="0"/>
-              <a:t>7/18/24</a:t>
+              <a:t>7/23/24</a:t>
             </a:fld>
             <a:endParaRPr lang="en-US"/>
           </a:p>
@@ -2748,7 +2753,7 @@
           <a:p>
             <a:fld id="{0952215C-927E-2D49-B2EF-8E68B8982B4D}" type="datetimeFigureOut">
               <a:rPr lang="en-US" smtClean="0"/>
-              <a:t>7/18/24</a:t>
+              <a:t>7/23/24</a:t>
             </a:fld>
             <a:endParaRPr lang="en-US"/>
           </a:p>
@@ -3160,7 +3165,7 @@
           <a:p>
             <a:fld id="{0952215C-927E-2D49-B2EF-8E68B8982B4D}" type="datetimeFigureOut">
               <a:rPr lang="en-US" smtClean="0"/>
-              <a:t>7/18/24</a:t>
+              <a:t>7/23/24</a:t>
             </a:fld>
             <a:endParaRPr lang="en-US"/>
           </a:p>
@@ -3301,7 +3306,7 @@
           <a:p>
             <a:fld id="{0952215C-927E-2D49-B2EF-8E68B8982B4D}" type="datetimeFigureOut">
               <a:rPr lang="en-US" smtClean="0"/>
-              <a:t>7/18/24</a:t>
+              <a:t>7/23/24</a:t>
             </a:fld>
             <a:endParaRPr lang="en-US"/>
           </a:p>
@@ -3414,7 +3419,7 @@
           <a:p>
             <a:fld id="{0952215C-927E-2D49-B2EF-8E68B8982B4D}" type="datetimeFigureOut">
               <a:rPr lang="en-US" smtClean="0"/>
-              <a:t>7/18/24</a:t>
+              <a:t>7/23/24</a:t>
             </a:fld>
             <a:endParaRPr lang="en-US"/>
           </a:p>
@@ -3725,7 +3730,7 @@
           <a:p>
             <a:fld id="{0952215C-927E-2D49-B2EF-8E68B8982B4D}" type="datetimeFigureOut">
               <a:rPr lang="en-US" smtClean="0"/>
-              <a:t>7/18/24</a:t>
+              <a:t>7/23/24</a:t>
             </a:fld>
             <a:endParaRPr lang="en-US"/>
           </a:p>
@@ -4013,7 +4018,7 @@
           <a:p>
             <a:fld id="{0952215C-927E-2D49-B2EF-8E68B8982B4D}" type="datetimeFigureOut">
               <a:rPr lang="en-US" smtClean="0"/>
-              <a:t>7/18/24</a:t>
+              <a:t>7/23/24</a:t>
             </a:fld>
             <a:endParaRPr lang="en-US"/>
           </a:p>
@@ -4254,7 +4259,7 @@
           <a:p>
             <a:fld id="{0952215C-927E-2D49-B2EF-8E68B8982B4D}" type="datetimeFigureOut">
               <a:rPr lang="en-US" smtClean="0"/>
-              <a:t>7/18/24</a:t>
+              <a:t>7/23/24</a:t>
             </a:fld>
             <a:endParaRPr lang="en-US"/>
           </a:p>
@@ -6915,7 +6920,7 @@
         <p:spPr>
           <a:xfrm>
             <a:off x="1624383" y="4272088"/>
-            <a:ext cx="9193542" cy="461665"/>
+            <a:ext cx="9166292" cy="461665"/>
           </a:xfrm>
           <a:prstGeom prst="rect">
             <a:avLst/>
@@ -6941,7 +6946,37 @@
                 <a:cs typeface="Montserrat"/>
                 <a:sym typeface="Montserrat"/>
               </a:rPr>
-              <a:t>[SEE VIDEO FOR NUMBER UNDERSTANDING IN JUPYTER]</a:t>
+              <a:t>[SEE VIDEO </a:t>
+            </a:r>
+            <a:r>
+              <a:rPr lang="en-US" sz="2400" b="1" i="1">
+                <a:solidFill>
+                  <a:srgbClr val="0070C0"/>
+                </a:solidFill>
+                <a:highlight>
+                  <a:srgbClr val="FFFF00"/>
+                </a:highlight>
+                <a:latin typeface="Montserrat"/>
+                <a:ea typeface="Montserrat"/>
+                <a:cs typeface="Montserrat"/>
+                <a:sym typeface="Montserrat"/>
+              </a:rPr>
+              <a:t>FOR STRINGS </a:t>
+            </a:r>
+            <a:r>
+              <a:rPr lang="en-US" sz="2400" b="1" i="1" dirty="0">
+                <a:solidFill>
+                  <a:srgbClr val="0070C0"/>
+                </a:solidFill>
+                <a:highlight>
+                  <a:srgbClr val="FFFF00"/>
+                </a:highlight>
+                <a:latin typeface="Montserrat"/>
+                <a:ea typeface="Montserrat"/>
+                <a:cs typeface="Montserrat"/>
+                <a:sym typeface="Montserrat"/>
+              </a:rPr>
+              <a:t>UNDERSTANDING IN JUPYTER]</a:t>
             </a:r>
           </a:p>
         </p:txBody>
